--- a/lectures/day4.pptx
+++ b/lectures/day4.pptx
@@ -5,7 +5,7 @@
     <p:sldMasterId id="2147483648" r:id="rId1"/>
   </p:sldMasterIdLst>
   <p:notesMasterIdLst>
-    <p:notesMasterId r:id="rId49"/>
+    <p:notesMasterId r:id="rId50"/>
   </p:notesMasterIdLst>
   <p:sldIdLst>
     <p:sldId id="256" r:id="rId2"/>
@@ -51,10 +51,11 @@
     <p:sldId id="310" r:id="rId42"/>
     <p:sldId id="324" r:id="rId43"/>
     <p:sldId id="311" r:id="rId44"/>
-    <p:sldId id="266" r:id="rId45"/>
-    <p:sldId id="305" r:id="rId46"/>
-    <p:sldId id="304" r:id="rId47"/>
-    <p:sldId id="267" r:id="rId48"/>
+    <p:sldId id="339" r:id="rId45"/>
+    <p:sldId id="266" r:id="rId46"/>
+    <p:sldId id="305" r:id="rId47"/>
+    <p:sldId id="304" r:id="rId48"/>
+    <p:sldId id="267" r:id="rId49"/>
   </p:sldIdLst>
   <p:sldSz cx="9144000" cy="6858000" type="screen4x3"/>
   <p:notesSz cx="6858000" cy="9144000"/>
@@ -550,7 +551,19 @@
           <a:bodyPr/>
           <a:lstStyle/>
           <a:p>
-            <a:endParaRPr lang="en-US" dirty="0"/>
+            <a:endParaRPr lang="en-US"/>
+          </a:p>
+          <a:p>
+            <a:r>
+              <a:rPr lang="en-US"/>
+              <a:t>----- Meeting Notes (1/12/12 10:49) -----</a:t>
+            </a:r>
+          </a:p>
+          <a:p>
+            <a:r>
+              <a:rPr lang="en-US"/>
+              <a:t>working with a dataset kindly donated to the world by Enron</a:t>
+            </a:r>
           </a:p>
         </p:txBody>
       </p:sp>
@@ -571,7 +584,7 @@
           <a:p>
             <a:fld id="{0248F6B5-FDB6-6B4F-8068-B81AD7C9877A}" type="slidenum">
               <a:rPr lang="en-US" smtClean="0"/>
-              <a:t>5</a:t>
+              <a:t>2</a:t>
             </a:fld>
             <a:endParaRPr lang="en-US"/>
           </a:p>
@@ -580,7 +593,7 @@
     </p:spTree>
     <p:extLst>
       <p:ext uri="{BB962C8B-B14F-4D97-AF65-F5344CB8AC3E}">
-        <p14:creationId xmlns:p14="http://schemas.microsoft.com/office/powerpoint/2010/main" val="4039679529"/>
+        <p14:creationId xmlns:p14="http://schemas.microsoft.com/office/powerpoint/2010/main" val="651212912"/>
       </p:ext>
     </p:extLst>
   </p:cSld>
@@ -634,7 +647,28 @@
           <a:bodyPr/>
           <a:lstStyle/>
           <a:p>
-            <a:endParaRPr lang="en-US" dirty="0"/>
+            <a:endParaRPr lang="en-US"/>
+          </a:p>
+          <a:p>
+            <a:r>
+              <a:rPr lang="en-US"/>
+              <a:t>----- Meeting Notes (1/12/12 10:49) -----</a:t>
+            </a:r>
+          </a:p>
+          <a:p>
+            <a:r>
+              <a:rPr lang="en-US"/>
+              <a:t>For example, in one of kenneth's emails, he uses the word conference twice.  and if we scan the email, it seems like it's about conference calls.</a:t>
+            </a:r>
+          </a:p>
+          <a:p>
+            <a:endParaRPr lang="en-US"/>
+          </a:p>
+          <a:p>
+            <a:r>
+              <a:rPr lang="en-US"/>
+              <a:t>But there's a problem</a:t>
+            </a:r>
           </a:p>
         </p:txBody>
       </p:sp>
@@ -655,7 +689,7 @@
           <a:p>
             <a:fld id="{0248F6B5-FDB6-6B4F-8068-B81AD7C9877A}" type="slidenum">
               <a:rPr lang="en-US" smtClean="0"/>
-              <a:t>36</a:t>
+              <a:t>14</a:t>
             </a:fld>
             <a:endParaRPr lang="en-US"/>
           </a:p>
@@ -664,7 +698,7 @@
     </p:spTree>
     <p:extLst>
       <p:ext uri="{BB962C8B-B14F-4D97-AF65-F5344CB8AC3E}">
-        <p14:creationId xmlns:p14="http://schemas.microsoft.com/office/powerpoint/2010/main" val="3142146841"/>
+        <p14:creationId xmlns:p14="http://schemas.microsoft.com/office/powerpoint/2010/main" val="1343942198"/>
       </p:ext>
     </p:extLst>
   </p:cSld>
@@ -718,19 +752,19 @@
           <a:bodyPr/>
           <a:lstStyle/>
           <a:p>
-            <a:r>
-              <a:rPr lang="en-US" dirty="0" smtClean="0"/>
-              <a:t>On</a:t>
-            </a:r>
-            <a:r>
-              <a:rPr lang="en-US" baseline="0" dirty="0" smtClean="0"/>
-              <a:t> my </a:t>
-            </a:r>
-            <a:r>
-              <a:rPr lang="en-US" baseline="0" dirty="0" err="1" smtClean="0"/>
-              <a:t>gmail</a:t>
-            </a:r>
-            <a:endParaRPr lang="en-US" dirty="0"/>
+            <a:endParaRPr lang="en-US"/>
+          </a:p>
+          <a:p>
+            <a:r>
+              <a:rPr lang="en-US"/>
+              <a:t>----- Meeting Notes (1/12/12 10:49) -----</a:t>
+            </a:r>
+          </a:p>
+          <a:p>
+            <a:r>
+              <a:rPr lang="en-US"/>
+              <a:t>reason because to is in almost all emails!  so it doesn't help us hone in.</a:t>
+            </a:r>
           </a:p>
         </p:txBody>
       </p:sp>
@@ -751,7 +785,7 @@
           <a:p>
             <a:fld id="{0248F6B5-FDB6-6B4F-8068-B81AD7C9877A}" type="slidenum">
               <a:rPr lang="en-US" smtClean="0"/>
-              <a:t>39</a:t>
+              <a:t>15</a:t>
             </a:fld>
             <a:endParaRPr lang="en-US"/>
           </a:p>
@@ -760,7 +794,7 @@
     </p:spTree>
     <p:extLst>
       <p:ext uri="{BB962C8B-B14F-4D97-AF65-F5344CB8AC3E}">
-        <p14:creationId xmlns:p14="http://schemas.microsoft.com/office/powerpoint/2010/main" val="928293707"/>
+        <p14:creationId xmlns:p14="http://schemas.microsoft.com/office/powerpoint/2010/main" val="2706590767"/>
       </p:ext>
     </p:extLst>
   </p:cSld>
@@ -814,7 +848,34 @@
           <a:bodyPr/>
           <a:lstStyle/>
           <a:p>
-            <a:endParaRPr lang="en-US" dirty="0"/>
+            <a:endParaRPr lang="en-US"/>
+          </a:p>
+          <a:p>
+            <a:r>
+              <a:rPr lang="en-US"/>
+              <a:t>----- Meeting Notes (1/12/12 10:52) -----</a:t>
+            </a:r>
+          </a:p>
+          <a:p>
+            <a:r>
+              <a:rPr lang="en-US"/>
+              <a:t>To recap, we want relevant terms where</a:t>
+            </a:r>
+          </a:p>
+          <a:p>
+            <a:endParaRPr lang="en-US"/>
+          </a:p>
+          <a:p>
+            <a:r>
+              <a:rPr lang="en-US"/>
+              <a:t>word pops up a lot in the email</a:t>
+            </a:r>
+          </a:p>
+          <a:p>
+            <a:r>
+              <a:rPr lang="en-US"/>
+              <a:t>but not found in all emails</a:t>
+            </a:r>
           </a:p>
         </p:txBody>
       </p:sp>
@@ -835,7 +896,7 @@
           <a:p>
             <a:fld id="{0248F6B5-FDB6-6B4F-8068-B81AD7C9877A}" type="slidenum">
               <a:rPr lang="en-US" smtClean="0"/>
-              <a:t>44</a:t>
+              <a:t>22</a:t>
             </a:fld>
             <a:endParaRPr lang="en-US"/>
           </a:p>
@@ -844,7 +905,7 @@
     </p:spTree>
     <p:extLst>
       <p:ext uri="{BB962C8B-B14F-4D97-AF65-F5344CB8AC3E}">
-        <p14:creationId xmlns:p14="http://schemas.microsoft.com/office/powerpoint/2010/main" val="3110949341"/>
+        <p14:creationId xmlns:p14="http://schemas.microsoft.com/office/powerpoint/2010/main" val="1621756143"/>
       </p:ext>
     </p:extLst>
   </p:cSld>
@@ -900,11 +961,7 @@
           <a:p>
             <a:r>
               <a:rPr lang="en-US" dirty="0" smtClean="0"/>
-              <a:t>To give context,</a:t>
-            </a:r>
-            <a:r>
-              <a:rPr lang="en-US" baseline="0" dirty="0" smtClean="0"/>
-              <a:t> it’s informal.  For example, I would talk about rappers.</a:t>
+              <a:t>Great.  We got a list of important words for each email.</a:t>
             </a:r>
             <a:endParaRPr lang="en-US" dirty="0"/>
           </a:p>
@@ -927,7 +984,7 @@
           <a:p>
             <a:fld id="{0248F6B5-FDB6-6B4F-8068-B81AD7C9877A}" type="slidenum">
               <a:rPr lang="en-US" smtClean="0"/>
-              <a:t>45</a:t>
+              <a:t>25</a:t>
             </a:fld>
             <a:endParaRPr lang="en-US"/>
           </a:p>
@@ -936,7 +993,636 @@
     </p:spTree>
     <p:extLst>
       <p:ext uri="{BB962C8B-B14F-4D97-AF65-F5344CB8AC3E}">
-        <p14:creationId xmlns:p14="http://schemas.microsoft.com/office/powerpoint/2010/main" val="2265522596"/>
+        <p14:creationId xmlns:p14="http://schemas.microsoft.com/office/powerpoint/2010/main" val="3001685384"/>
+      </p:ext>
+    </p:extLst>
+  </p:cSld>
+  <p:clrMapOvr>
+    <a:masterClrMapping/>
+  </p:clrMapOvr>
+</p:notes>
+</file>
+
+<file path=ppt/notesSlides/notesSlide14.xml><?xml version="1.0" encoding="utf-8"?>
+<p:notes xmlns:a="http://schemas.openxmlformats.org/drawingml/2006/main" xmlns:r="http://schemas.openxmlformats.org/officeDocument/2006/relationships" xmlns:p="http://schemas.openxmlformats.org/presentationml/2006/main">
+  <p:cSld>
+    <p:spTree>
+      <p:nvGrpSpPr>
+        <p:cNvPr id="1" name=""/>
+        <p:cNvGrpSpPr/>
+        <p:nvPr/>
+      </p:nvGrpSpPr>
+      <p:grpSpPr>
+        <a:xfrm>
+          <a:off x="0" y="0"/>
+          <a:ext cx="0" cy="0"/>
+          <a:chOff x="0" y="0"/>
+          <a:chExt cx="0" cy="0"/>
+        </a:xfrm>
+      </p:grpSpPr>
+      <p:sp>
+        <p:nvSpPr>
+          <p:cNvPr id="2" name="Slide Image Placeholder 1"/>
+          <p:cNvSpPr>
+            <a:spLocks noGrp="1" noRot="1" noChangeAspect="1"/>
+          </p:cNvSpPr>
+          <p:nvPr>
+            <p:ph type="sldImg"/>
+          </p:nvPr>
+        </p:nvSpPr>
+        <p:spPr/>
+      </p:sp>
+      <p:sp>
+        <p:nvSpPr>
+          <p:cNvPr id="3" name="Notes Placeholder 2"/>
+          <p:cNvSpPr>
+            <a:spLocks noGrp="1"/>
+          </p:cNvSpPr>
+          <p:nvPr>
+            <p:ph type="body" idx="1"/>
+          </p:nvPr>
+        </p:nvSpPr>
+        <p:spPr/>
+        <p:txBody>
+          <a:bodyPr/>
+          <a:lstStyle/>
+          <a:p>
+            <a:r>
+              <a:rPr lang="en-US" dirty="0" smtClean="0"/>
+              <a:t>Great.  We got a list of important words for each email.</a:t>
+            </a:r>
+          </a:p>
+          <a:p>
+            <a:r>
+              <a:rPr lang="en-US" dirty="0" smtClean="0"/>
+              <a:t>----- Meeting Notes (1/12/12 10:52) -----</a:t>
+            </a:r>
+          </a:p>
+          <a:p>
+            <a:r>
+              <a:rPr lang="en-US" dirty="0" smtClean="0"/>
+              <a:t>If we sort them from high to low tfidf</a:t>
+            </a:r>
+            <a:endParaRPr lang="en-US" dirty="0"/>
+          </a:p>
+        </p:txBody>
+      </p:sp>
+      <p:sp>
+        <p:nvSpPr>
+          <p:cNvPr id="4" name="Slide Number Placeholder 3"/>
+          <p:cNvSpPr>
+            <a:spLocks noGrp="1"/>
+          </p:cNvSpPr>
+          <p:nvPr>
+            <p:ph type="sldNum" sz="quarter" idx="10"/>
+          </p:nvPr>
+        </p:nvSpPr>
+        <p:spPr/>
+        <p:txBody>
+          <a:bodyPr/>
+          <a:lstStyle/>
+          <a:p>
+            <a:fld id="{0248F6B5-FDB6-6B4F-8068-B81AD7C9877A}" type="slidenum">
+              <a:rPr lang="en-US" smtClean="0"/>
+              <a:t>26</a:t>
+            </a:fld>
+            <a:endParaRPr lang="en-US"/>
+          </a:p>
+        </p:txBody>
+      </p:sp>
+    </p:spTree>
+    <p:extLst>
+      <p:ext uri="{BB962C8B-B14F-4D97-AF65-F5344CB8AC3E}">
+        <p14:creationId xmlns:p14="http://schemas.microsoft.com/office/powerpoint/2010/main" val="3001685384"/>
+      </p:ext>
+    </p:extLst>
+  </p:cSld>
+  <p:clrMapOvr>
+    <a:masterClrMapping/>
+  </p:clrMapOvr>
+</p:notes>
+</file>
+
+<file path=ppt/notesSlides/notesSlide15.xml><?xml version="1.0" encoding="utf-8"?>
+<p:notes xmlns:a="http://schemas.openxmlformats.org/drawingml/2006/main" xmlns:r="http://schemas.openxmlformats.org/officeDocument/2006/relationships" xmlns:p="http://schemas.openxmlformats.org/presentationml/2006/main">
+  <p:cSld>
+    <p:spTree>
+      <p:nvGrpSpPr>
+        <p:cNvPr id="1" name=""/>
+        <p:cNvGrpSpPr/>
+        <p:nvPr/>
+      </p:nvGrpSpPr>
+      <p:grpSpPr>
+        <a:xfrm>
+          <a:off x="0" y="0"/>
+          <a:ext cx="0" cy="0"/>
+          <a:chOff x="0" y="0"/>
+          <a:chExt cx="0" cy="0"/>
+        </a:xfrm>
+      </p:grpSpPr>
+      <p:sp>
+        <p:nvSpPr>
+          <p:cNvPr id="2" name="Slide Image Placeholder 1"/>
+          <p:cNvSpPr>
+            <a:spLocks noGrp="1" noRot="1" noChangeAspect="1"/>
+          </p:cNvSpPr>
+          <p:nvPr>
+            <p:ph type="sldImg"/>
+          </p:nvPr>
+        </p:nvSpPr>
+        <p:spPr/>
+      </p:sp>
+      <p:sp>
+        <p:nvSpPr>
+          <p:cNvPr id="3" name="Notes Placeholder 2"/>
+          <p:cNvSpPr>
+            <a:spLocks noGrp="1"/>
+          </p:cNvSpPr>
+          <p:nvPr>
+            <p:ph type="body" idx="1"/>
+          </p:nvPr>
+        </p:nvSpPr>
+        <p:spPr/>
+        <p:txBody>
+          <a:bodyPr/>
+          <a:lstStyle/>
+          <a:p>
+            <a:r>
+              <a:rPr lang="en-US" dirty="0" smtClean="0"/>
+              <a:t>It turns out these</a:t>
+            </a:r>
+            <a:r>
+              <a:rPr lang="en-US" baseline="0" dirty="0" smtClean="0"/>
+              <a:t> </a:t>
+            </a:r>
+            <a:r>
+              <a:rPr lang="en-US" baseline="0" dirty="0" err="1" smtClean="0"/>
+              <a:t>tfidf</a:t>
+            </a:r>
+            <a:r>
+              <a:rPr lang="en-US" baseline="0" dirty="0" smtClean="0"/>
+              <a:t> scores can </a:t>
+            </a:r>
+            <a:r>
+              <a:rPr lang="en-US" dirty="0" smtClean="0"/>
+              <a:t>help</a:t>
+            </a:r>
+            <a:r>
+              <a:rPr lang="en-US" baseline="0" dirty="0" smtClean="0"/>
+              <a:t> us solve the second problem.</a:t>
+            </a:r>
+            <a:endParaRPr lang="en-US" dirty="0"/>
+          </a:p>
+        </p:txBody>
+      </p:sp>
+      <p:sp>
+        <p:nvSpPr>
+          <p:cNvPr id="4" name="Slide Number Placeholder 3"/>
+          <p:cNvSpPr>
+            <a:spLocks noGrp="1"/>
+          </p:cNvSpPr>
+          <p:nvPr>
+            <p:ph type="sldNum" sz="quarter" idx="10"/>
+          </p:nvPr>
+        </p:nvSpPr>
+        <p:spPr/>
+        <p:txBody>
+          <a:bodyPr/>
+          <a:lstStyle/>
+          <a:p>
+            <a:fld id="{0248F6B5-FDB6-6B4F-8068-B81AD7C9877A}" type="slidenum">
+              <a:rPr lang="en-US" smtClean="0"/>
+              <a:t>27</a:t>
+            </a:fld>
+            <a:endParaRPr lang="en-US"/>
+          </a:p>
+        </p:txBody>
+      </p:sp>
+    </p:spTree>
+    <p:extLst>
+      <p:ext uri="{BB962C8B-B14F-4D97-AF65-F5344CB8AC3E}">
+        <p14:creationId xmlns:p14="http://schemas.microsoft.com/office/powerpoint/2010/main" val="4017017431"/>
+      </p:ext>
+    </p:extLst>
+  </p:cSld>
+  <p:clrMapOvr>
+    <a:masterClrMapping/>
+  </p:clrMapOvr>
+</p:notes>
+</file>
+
+<file path=ppt/notesSlides/notesSlide16.xml><?xml version="1.0" encoding="utf-8"?>
+<p:notes xmlns:a="http://schemas.openxmlformats.org/drawingml/2006/main" xmlns:r="http://schemas.openxmlformats.org/officeDocument/2006/relationships" xmlns:p="http://schemas.openxmlformats.org/presentationml/2006/main">
+  <p:cSld>
+    <p:spTree>
+      <p:nvGrpSpPr>
+        <p:cNvPr id="1" name=""/>
+        <p:cNvGrpSpPr/>
+        <p:nvPr/>
+      </p:nvGrpSpPr>
+      <p:grpSpPr>
+        <a:xfrm>
+          <a:off x="0" y="0"/>
+          <a:ext cx="0" cy="0"/>
+          <a:chOff x="0" y="0"/>
+          <a:chExt cx="0" cy="0"/>
+        </a:xfrm>
+      </p:grpSpPr>
+      <p:sp>
+        <p:nvSpPr>
+          <p:cNvPr id="2" name="Slide Image Placeholder 1"/>
+          <p:cNvSpPr>
+            <a:spLocks noGrp="1" noRot="1" noChangeAspect="1"/>
+          </p:cNvSpPr>
+          <p:nvPr>
+            <p:ph type="sldImg"/>
+          </p:nvPr>
+        </p:nvSpPr>
+        <p:spPr/>
+      </p:sp>
+      <p:sp>
+        <p:nvSpPr>
+          <p:cNvPr id="3" name="Notes Placeholder 2"/>
+          <p:cNvSpPr>
+            <a:spLocks noGrp="1"/>
+          </p:cNvSpPr>
+          <p:nvPr>
+            <p:ph type="body" idx="1"/>
+          </p:nvPr>
+        </p:nvSpPr>
+        <p:spPr/>
+        <p:txBody>
+          <a:bodyPr/>
+          <a:lstStyle/>
+          <a:p>
+            <a:r>
+              <a:rPr lang="en-US" dirty="0" smtClean="0"/>
+              <a:t>Let’s say we already calculated the </a:t>
+            </a:r>
+            <a:r>
+              <a:rPr lang="en-US" dirty="0" err="1" smtClean="0"/>
+              <a:t>tfidfs</a:t>
+            </a:r>
+            <a:r>
+              <a:rPr lang="en-US" dirty="0" smtClean="0"/>
+              <a:t>,</a:t>
+            </a:r>
+            <a:r>
+              <a:rPr lang="en-US" baseline="0" dirty="0" smtClean="0"/>
+              <a:t> and took the top 100</a:t>
+            </a:r>
+            <a:endParaRPr lang="en-US" dirty="0"/>
+          </a:p>
+        </p:txBody>
+      </p:sp>
+      <p:sp>
+        <p:nvSpPr>
+          <p:cNvPr id="4" name="Slide Number Placeholder 3"/>
+          <p:cNvSpPr>
+            <a:spLocks noGrp="1"/>
+          </p:cNvSpPr>
+          <p:nvPr>
+            <p:ph type="sldNum" sz="quarter" idx="10"/>
+          </p:nvPr>
+        </p:nvSpPr>
+        <p:spPr/>
+        <p:txBody>
+          <a:bodyPr/>
+          <a:lstStyle/>
+          <a:p>
+            <a:fld id="{0248F6B5-FDB6-6B4F-8068-B81AD7C9877A}" type="slidenum">
+              <a:rPr lang="en-US" smtClean="0"/>
+              <a:t>28</a:t>
+            </a:fld>
+            <a:endParaRPr lang="en-US"/>
+          </a:p>
+        </p:txBody>
+      </p:sp>
+    </p:spTree>
+    <p:extLst>
+      <p:ext uri="{BB962C8B-B14F-4D97-AF65-F5344CB8AC3E}">
+        <p14:creationId xmlns:p14="http://schemas.microsoft.com/office/powerpoint/2010/main" val="706586820"/>
+      </p:ext>
+    </p:extLst>
+  </p:cSld>
+  <p:clrMapOvr>
+    <a:masterClrMapping/>
+  </p:clrMapOvr>
+</p:notes>
+</file>
+
+<file path=ppt/notesSlides/notesSlide17.xml><?xml version="1.0" encoding="utf-8"?>
+<p:notes xmlns:a="http://schemas.openxmlformats.org/drawingml/2006/main" xmlns:r="http://schemas.openxmlformats.org/officeDocument/2006/relationships" xmlns:p="http://schemas.openxmlformats.org/presentationml/2006/main">
+  <p:cSld>
+    <p:spTree>
+      <p:nvGrpSpPr>
+        <p:cNvPr id="1" name=""/>
+        <p:cNvGrpSpPr/>
+        <p:nvPr/>
+      </p:nvGrpSpPr>
+      <p:grpSpPr>
+        <a:xfrm>
+          <a:off x="0" y="0"/>
+          <a:ext cx="0" cy="0"/>
+          <a:chOff x="0" y="0"/>
+          <a:chExt cx="0" cy="0"/>
+        </a:xfrm>
+      </p:grpSpPr>
+      <p:sp>
+        <p:nvSpPr>
+          <p:cNvPr id="2" name="Slide Image Placeholder 1"/>
+          <p:cNvSpPr>
+            <a:spLocks noGrp="1" noRot="1" noChangeAspect="1"/>
+          </p:cNvSpPr>
+          <p:nvPr>
+            <p:ph type="sldImg"/>
+          </p:nvPr>
+        </p:nvSpPr>
+        <p:spPr/>
+      </p:sp>
+      <p:sp>
+        <p:nvSpPr>
+          <p:cNvPr id="3" name="Notes Placeholder 2"/>
+          <p:cNvSpPr>
+            <a:spLocks noGrp="1"/>
+          </p:cNvSpPr>
+          <p:nvPr>
+            <p:ph type="body" idx="1"/>
+          </p:nvPr>
+        </p:nvSpPr>
+        <p:spPr/>
+        <p:txBody>
+          <a:bodyPr/>
+          <a:lstStyle/>
+          <a:p>
+            <a:r>
+              <a:rPr lang="en-US" dirty="0" smtClean="0"/>
+              <a:t>Then</a:t>
+            </a:r>
+            <a:r>
+              <a:rPr lang="en-US" baseline="0" dirty="0" smtClean="0"/>
+              <a:t> two emails that have the same top terms are probably nearly identical.  And if they don’t share any terms, then probably not.</a:t>
+            </a:r>
+          </a:p>
+          <a:p>
+            <a:endParaRPr lang="en-US" baseline="0" dirty="0" smtClean="0"/>
+          </a:p>
+          <a:p>
+            <a:r>
+              <a:rPr lang="en-US" baseline="0" dirty="0" smtClean="0"/>
+              <a:t>So we could just define a similarity score based on the size of the intersection!</a:t>
+            </a:r>
+          </a:p>
+          <a:p>
+            <a:endParaRPr lang="en-US" dirty="0" smtClean="0"/>
+          </a:p>
+          <a:p>
+            <a:r>
+              <a:rPr lang="en-US" dirty="0" smtClean="0"/>
+              <a:t>Ask a question here.  Can I design an email similar to all emails</a:t>
+            </a:r>
+            <a:endParaRPr lang="en-US" dirty="0"/>
+          </a:p>
+        </p:txBody>
+      </p:sp>
+      <p:sp>
+        <p:nvSpPr>
+          <p:cNvPr id="4" name="Slide Number Placeholder 3"/>
+          <p:cNvSpPr>
+            <a:spLocks noGrp="1"/>
+          </p:cNvSpPr>
+          <p:nvPr>
+            <p:ph type="sldNum" sz="quarter" idx="10"/>
+          </p:nvPr>
+        </p:nvSpPr>
+        <p:spPr/>
+        <p:txBody>
+          <a:bodyPr/>
+          <a:lstStyle/>
+          <a:p>
+            <a:fld id="{0248F6B5-FDB6-6B4F-8068-B81AD7C9877A}" type="slidenum">
+              <a:rPr lang="en-US" smtClean="0"/>
+              <a:t>29</a:t>
+            </a:fld>
+            <a:endParaRPr lang="en-US"/>
+          </a:p>
+        </p:txBody>
+      </p:sp>
+    </p:spTree>
+    <p:extLst>
+      <p:ext uri="{BB962C8B-B14F-4D97-AF65-F5344CB8AC3E}">
+        <p14:creationId xmlns:p14="http://schemas.microsoft.com/office/powerpoint/2010/main" val="1043097578"/>
+      </p:ext>
+    </p:extLst>
+  </p:cSld>
+  <p:clrMapOvr>
+    <a:masterClrMapping/>
+  </p:clrMapOvr>
+</p:notes>
+</file>
+
+<file path=ppt/notesSlides/notesSlide18.xml><?xml version="1.0" encoding="utf-8"?>
+<p:notes xmlns:a="http://schemas.openxmlformats.org/drawingml/2006/main" xmlns:r="http://schemas.openxmlformats.org/officeDocument/2006/relationships" xmlns:p="http://schemas.openxmlformats.org/presentationml/2006/main">
+  <p:cSld>
+    <p:spTree>
+      <p:nvGrpSpPr>
+        <p:cNvPr id="1" name=""/>
+        <p:cNvGrpSpPr/>
+        <p:nvPr/>
+      </p:nvGrpSpPr>
+      <p:grpSpPr>
+        <a:xfrm>
+          <a:off x="0" y="0"/>
+          <a:ext cx="0" cy="0"/>
+          <a:chOff x="0" y="0"/>
+          <a:chExt cx="0" cy="0"/>
+        </a:xfrm>
+      </p:grpSpPr>
+      <p:sp>
+        <p:nvSpPr>
+          <p:cNvPr id="2" name="Slide Image Placeholder 1"/>
+          <p:cNvSpPr>
+            <a:spLocks noGrp="1" noRot="1" noChangeAspect="1"/>
+          </p:cNvSpPr>
+          <p:nvPr>
+            <p:ph type="sldImg"/>
+          </p:nvPr>
+        </p:nvSpPr>
+        <p:spPr/>
+      </p:sp>
+      <p:sp>
+        <p:nvSpPr>
+          <p:cNvPr id="3" name="Notes Placeholder 2"/>
+          <p:cNvSpPr>
+            <a:spLocks noGrp="1"/>
+          </p:cNvSpPr>
+          <p:nvPr>
+            <p:ph type="body" idx="1"/>
+          </p:nvPr>
+        </p:nvSpPr>
+        <p:spPr/>
+        <p:txBody>
+          <a:bodyPr/>
+          <a:lstStyle/>
+          <a:p>
+            <a:r>
+              <a:rPr lang="en-US" dirty="0" smtClean="0"/>
+              <a:t>In reality, people</a:t>
+            </a:r>
+            <a:r>
+              <a:rPr lang="en-US" baseline="0" dirty="0" smtClean="0"/>
+              <a:t> model an email’s </a:t>
+            </a:r>
+            <a:r>
+              <a:rPr lang="en-US" dirty="0" smtClean="0"/>
+              <a:t>top terms</a:t>
+            </a:r>
+            <a:r>
+              <a:rPr lang="en-US" baseline="0" dirty="0" smtClean="0"/>
+              <a:t> and their </a:t>
+            </a:r>
+            <a:r>
+              <a:rPr lang="en-US" baseline="0" dirty="0" err="1" smtClean="0"/>
+              <a:t>tfidfs</a:t>
+            </a:r>
+            <a:r>
+              <a:rPr lang="en-US" baseline="0" dirty="0" smtClean="0"/>
+              <a:t> as a vector.  Each term is a dimension. </a:t>
+            </a:r>
+            <a:endParaRPr lang="en-US" dirty="0" smtClean="0"/>
+          </a:p>
+          <a:p>
+            <a:r>
+              <a:rPr lang="en-US" dirty="0" smtClean="0"/>
+              <a:t>Explain dot product and norm with</a:t>
+            </a:r>
+            <a:r>
+              <a:rPr lang="en-US" baseline="0" dirty="0" smtClean="0"/>
+              <a:t> example.</a:t>
+            </a:r>
+            <a:endParaRPr lang="en-US" dirty="0"/>
+          </a:p>
+        </p:txBody>
+      </p:sp>
+      <p:sp>
+        <p:nvSpPr>
+          <p:cNvPr id="4" name="Slide Number Placeholder 3"/>
+          <p:cNvSpPr>
+            <a:spLocks noGrp="1"/>
+          </p:cNvSpPr>
+          <p:nvPr>
+            <p:ph type="sldNum" sz="quarter" idx="10"/>
+          </p:nvPr>
+        </p:nvSpPr>
+        <p:spPr/>
+        <p:txBody>
+          <a:bodyPr/>
+          <a:lstStyle/>
+          <a:p>
+            <a:fld id="{0248F6B5-FDB6-6B4F-8068-B81AD7C9877A}" type="slidenum">
+              <a:rPr lang="en-US" smtClean="0"/>
+              <a:t>31</a:t>
+            </a:fld>
+            <a:endParaRPr lang="en-US"/>
+          </a:p>
+        </p:txBody>
+      </p:sp>
+    </p:spTree>
+    <p:extLst>
+      <p:ext uri="{BB962C8B-B14F-4D97-AF65-F5344CB8AC3E}">
+        <p14:creationId xmlns:p14="http://schemas.microsoft.com/office/powerpoint/2010/main" val="2361098693"/>
+      </p:ext>
+    </p:extLst>
+  </p:cSld>
+  <p:clrMapOvr>
+    <a:masterClrMapping/>
+  </p:clrMapOvr>
+</p:notes>
+</file>
+
+<file path=ppt/notesSlides/notesSlide19.xml><?xml version="1.0" encoding="utf-8"?>
+<p:notes xmlns:a="http://schemas.openxmlformats.org/drawingml/2006/main" xmlns:r="http://schemas.openxmlformats.org/officeDocument/2006/relationships" xmlns:p="http://schemas.openxmlformats.org/presentationml/2006/main">
+  <p:cSld>
+    <p:spTree>
+      <p:nvGrpSpPr>
+        <p:cNvPr id="1" name=""/>
+        <p:cNvGrpSpPr/>
+        <p:nvPr/>
+      </p:nvGrpSpPr>
+      <p:grpSpPr>
+        <a:xfrm>
+          <a:off x="0" y="0"/>
+          <a:ext cx="0" cy="0"/>
+          <a:chOff x="0" y="0"/>
+          <a:chExt cx="0" cy="0"/>
+        </a:xfrm>
+      </p:grpSpPr>
+      <p:sp>
+        <p:nvSpPr>
+          <p:cNvPr id="2" name="Slide Image Placeholder 1"/>
+          <p:cNvSpPr>
+            <a:spLocks noGrp="1" noRot="1" noChangeAspect="1"/>
+          </p:cNvSpPr>
+          <p:nvPr>
+            <p:ph type="sldImg"/>
+          </p:nvPr>
+        </p:nvSpPr>
+        <p:spPr/>
+      </p:sp>
+      <p:sp>
+        <p:nvSpPr>
+          <p:cNvPr id="3" name="Notes Placeholder 2"/>
+          <p:cNvSpPr>
+            <a:spLocks noGrp="1"/>
+          </p:cNvSpPr>
+          <p:nvPr>
+            <p:ph type="body" idx="1"/>
+          </p:nvPr>
+        </p:nvSpPr>
+        <p:spPr/>
+        <p:txBody>
+          <a:bodyPr/>
+          <a:lstStyle/>
+          <a:p>
+            <a:r>
+              <a:rPr lang="en-US" dirty="0" smtClean="0"/>
+              <a:t>You’ll be working with</a:t>
+            </a:r>
+            <a:r>
+              <a:rPr lang="en-US" baseline="0" dirty="0" smtClean="0"/>
+              <a:t> this, so let me walk you through how to calculate it in python</a:t>
+            </a:r>
+            <a:endParaRPr lang="en-US" dirty="0"/>
+          </a:p>
+        </p:txBody>
+      </p:sp>
+      <p:sp>
+        <p:nvSpPr>
+          <p:cNvPr id="4" name="Slide Number Placeholder 3"/>
+          <p:cNvSpPr>
+            <a:spLocks noGrp="1"/>
+          </p:cNvSpPr>
+          <p:nvPr>
+            <p:ph type="sldNum" sz="quarter" idx="10"/>
+          </p:nvPr>
+        </p:nvSpPr>
+        <p:spPr/>
+        <p:txBody>
+          <a:bodyPr/>
+          <a:lstStyle/>
+          <a:p>
+            <a:fld id="{0248F6B5-FDB6-6B4F-8068-B81AD7C9877A}" type="slidenum">
+              <a:rPr lang="en-US" smtClean="0"/>
+              <a:t>32</a:t>
+            </a:fld>
+            <a:endParaRPr lang="en-US"/>
+          </a:p>
+        </p:txBody>
+      </p:sp>
+    </p:spTree>
+    <p:extLst>
+      <p:ext uri="{BB962C8B-B14F-4D97-AF65-F5344CB8AC3E}">
+        <p14:creationId xmlns:p14="http://schemas.microsoft.com/office/powerpoint/2010/main" val="3314451824"/>
       </p:ext>
     </p:extLst>
   </p:cSld>
@@ -990,7 +1676,19 @@
           <a:bodyPr/>
           <a:lstStyle/>
           <a:p>
-            <a:endParaRPr lang="en-US" dirty="0"/>
+            <a:endParaRPr lang="en-US"/>
+          </a:p>
+          <a:p>
+            <a:r>
+              <a:rPr lang="en-US"/>
+              <a:t>----- Meeting Notes (1/12/12 10:49) -----</a:t>
+            </a:r>
+          </a:p>
+          <a:p>
+            <a:r>
+              <a:rPr lang="en-US"/>
+              <a:t>specifically all of the emails in kenneth lay's inbox</a:t>
+            </a:r>
           </a:p>
         </p:txBody>
       </p:sp>
@@ -1011,7 +1709,7 @@
           <a:p>
             <a:fld id="{0248F6B5-FDB6-6B4F-8068-B81AD7C9877A}" type="slidenum">
               <a:rPr lang="en-US" smtClean="0"/>
-              <a:t>6</a:t>
+              <a:t>3</a:t>
             </a:fld>
             <a:endParaRPr lang="en-US"/>
           </a:p>
@@ -1020,7 +1718,455 @@
     </p:spTree>
     <p:extLst>
       <p:ext uri="{BB962C8B-B14F-4D97-AF65-F5344CB8AC3E}">
-        <p14:creationId xmlns:p14="http://schemas.microsoft.com/office/powerpoint/2010/main" val="4039679529"/>
+        <p14:creationId xmlns:p14="http://schemas.microsoft.com/office/powerpoint/2010/main" val="2985800094"/>
+      </p:ext>
+    </p:extLst>
+  </p:cSld>
+  <p:clrMapOvr>
+    <a:masterClrMapping/>
+  </p:clrMapOvr>
+</p:notes>
+</file>
+
+<file path=ppt/notesSlides/notesSlide20.xml><?xml version="1.0" encoding="utf-8"?>
+<p:notes xmlns:a="http://schemas.openxmlformats.org/drawingml/2006/main" xmlns:r="http://schemas.openxmlformats.org/officeDocument/2006/relationships" xmlns:p="http://schemas.openxmlformats.org/presentationml/2006/main">
+  <p:cSld>
+    <p:spTree>
+      <p:nvGrpSpPr>
+        <p:cNvPr id="1" name=""/>
+        <p:cNvGrpSpPr/>
+        <p:nvPr/>
+      </p:nvGrpSpPr>
+      <p:grpSpPr>
+        <a:xfrm>
+          <a:off x="0" y="0"/>
+          <a:ext cx="0" cy="0"/>
+          <a:chOff x="0" y="0"/>
+          <a:chExt cx="0" cy="0"/>
+        </a:xfrm>
+      </p:grpSpPr>
+      <p:sp>
+        <p:nvSpPr>
+          <p:cNvPr id="2" name="Slide Image Placeholder 1"/>
+          <p:cNvSpPr>
+            <a:spLocks noGrp="1" noRot="1" noChangeAspect="1"/>
+          </p:cNvSpPr>
+          <p:nvPr>
+            <p:ph type="sldImg"/>
+          </p:nvPr>
+        </p:nvSpPr>
+        <p:spPr/>
+      </p:sp>
+      <p:sp>
+        <p:nvSpPr>
+          <p:cNvPr id="3" name="Notes Placeholder 2"/>
+          <p:cNvSpPr>
+            <a:spLocks noGrp="1"/>
+          </p:cNvSpPr>
+          <p:nvPr>
+            <p:ph type="body" idx="1"/>
+          </p:nvPr>
+        </p:nvSpPr>
+        <p:spPr/>
+        <p:txBody>
+          <a:bodyPr/>
+          <a:lstStyle/>
+          <a:p>
+            <a:r>
+              <a:rPr lang="en-US" dirty="0" smtClean="0"/>
+              <a:t>If they overlapped on other terms, we would just ad</a:t>
+            </a:r>
+            <a:r>
+              <a:rPr lang="en-US" baseline="0" dirty="0" smtClean="0"/>
+              <a:t>d them.</a:t>
+            </a:r>
+            <a:endParaRPr lang="en-US" dirty="0"/>
+          </a:p>
+        </p:txBody>
+      </p:sp>
+      <p:sp>
+        <p:nvSpPr>
+          <p:cNvPr id="4" name="Slide Number Placeholder 3"/>
+          <p:cNvSpPr>
+            <a:spLocks noGrp="1"/>
+          </p:cNvSpPr>
+          <p:nvPr>
+            <p:ph type="sldNum" sz="quarter" idx="10"/>
+          </p:nvPr>
+        </p:nvSpPr>
+        <p:spPr/>
+        <p:txBody>
+          <a:bodyPr/>
+          <a:lstStyle/>
+          <a:p>
+            <a:fld id="{0248F6B5-FDB6-6B4F-8068-B81AD7C9877A}" type="slidenum">
+              <a:rPr lang="en-US" smtClean="0"/>
+              <a:t>33</a:t>
+            </a:fld>
+            <a:endParaRPr lang="en-US"/>
+          </a:p>
+        </p:txBody>
+      </p:sp>
+    </p:spTree>
+    <p:extLst>
+      <p:ext uri="{BB962C8B-B14F-4D97-AF65-F5344CB8AC3E}">
+        <p14:creationId xmlns:p14="http://schemas.microsoft.com/office/powerpoint/2010/main" val="3216270157"/>
+      </p:ext>
+    </p:extLst>
+  </p:cSld>
+  <p:clrMapOvr>
+    <a:masterClrMapping/>
+  </p:clrMapOvr>
+</p:notes>
+</file>
+
+<file path=ppt/notesSlides/notesSlide21.xml><?xml version="1.0" encoding="utf-8"?>
+<p:notes xmlns:a="http://schemas.openxmlformats.org/drawingml/2006/main" xmlns:r="http://schemas.openxmlformats.org/officeDocument/2006/relationships" xmlns:p="http://schemas.openxmlformats.org/presentationml/2006/main">
+  <p:cSld>
+    <p:spTree>
+      <p:nvGrpSpPr>
+        <p:cNvPr id="1" name=""/>
+        <p:cNvGrpSpPr/>
+        <p:nvPr/>
+      </p:nvGrpSpPr>
+      <p:grpSpPr>
+        <a:xfrm>
+          <a:off x="0" y="0"/>
+          <a:ext cx="0" cy="0"/>
+          <a:chOff x="0" y="0"/>
+          <a:chExt cx="0" cy="0"/>
+        </a:xfrm>
+      </p:grpSpPr>
+      <p:sp>
+        <p:nvSpPr>
+          <p:cNvPr id="2" name="Slide Image Placeholder 1"/>
+          <p:cNvSpPr>
+            <a:spLocks noGrp="1" noRot="1" noChangeAspect="1"/>
+          </p:cNvSpPr>
+          <p:nvPr>
+            <p:ph type="sldImg"/>
+          </p:nvPr>
+        </p:nvSpPr>
+        <p:spPr/>
+      </p:sp>
+      <p:sp>
+        <p:nvSpPr>
+          <p:cNvPr id="3" name="Notes Placeholder 2"/>
+          <p:cNvSpPr>
+            <a:spLocks noGrp="1"/>
+          </p:cNvSpPr>
+          <p:nvPr>
+            <p:ph type="body" idx="1"/>
+          </p:nvPr>
+        </p:nvSpPr>
+        <p:spPr/>
+        <p:txBody>
+          <a:bodyPr/>
+          <a:lstStyle/>
+          <a:p>
+            <a:endParaRPr lang="en-US" dirty="0"/>
+          </a:p>
+        </p:txBody>
+      </p:sp>
+      <p:sp>
+        <p:nvSpPr>
+          <p:cNvPr id="4" name="Slide Number Placeholder 3"/>
+          <p:cNvSpPr>
+            <a:spLocks noGrp="1"/>
+          </p:cNvSpPr>
+          <p:nvPr>
+            <p:ph type="sldNum" sz="quarter" idx="10"/>
+          </p:nvPr>
+        </p:nvSpPr>
+        <p:spPr/>
+        <p:txBody>
+          <a:bodyPr/>
+          <a:lstStyle/>
+          <a:p>
+            <a:fld id="{0248F6B5-FDB6-6B4F-8068-B81AD7C9877A}" type="slidenum">
+              <a:rPr lang="en-US" smtClean="0"/>
+              <a:t>36</a:t>
+            </a:fld>
+            <a:endParaRPr lang="en-US"/>
+          </a:p>
+        </p:txBody>
+      </p:sp>
+    </p:spTree>
+    <p:extLst>
+      <p:ext uri="{BB962C8B-B14F-4D97-AF65-F5344CB8AC3E}">
+        <p14:creationId xmlns:p14="http://schemas.microsoft.com/office/powerpoint/2010/main" val="3142146841"/>
+      </p:ext>
+    </p:extLst>
+  </p:cSld>
+  <p:clrMapOvr>
+    <a:masterClrMapping/>
+  </p:clrMapOvr>
+</p:notes>
+</file>
+
+<file path=ppt/notesSlides/notesSlide22.xml><?xml version="1.0" encoding="utf-8"?>
+<p:notes xmlns:a="http://schemas.openxmlformats.org/drawingml/2006/main" xmlns:r="http://schemas.openxmlformats.org/officeDocument/2006/relationships" xmlns:p="http://schemas.openxmlformats.org/presentationml/2006/main">
+  <p:cSld>
+    <p:spTree>
+      <p:nvGrpSpPr>
+        <p:cNvPr id="1" name=""/>
+        <p:cNvGrpSpPr/>
+        <p:nvPr/>
+      </p:nvGrpSpPr>
+      <p:grpSpPr>
+        <a:xfrm>
+          <a:off x="0" y="0"/>
+          <a:ext cx="0" cy="0"/>
+          <a:chOff x="0" y="0"/>
+          <a:chExt cx="0" cy="0"/>
+        </a:xfrm>
+      </p:grpSpPr>
+      <p:sp>
+        <p:nvSpPr>
+          <p:cNvPr id="2" name="Slide Image Placeholder 1"/>
+          <p:cNvSpPr>
+            <a:spLocks noGrp="1" noRot="1" noChangeAspect="1"/>
+          </p:cNvSpPr>
+          <p:nvPr>
+            <p:ph type="sldImg"/>
+          </p:nvPr>
+        </p:nvSpPr>
+        <p:spPr/>
+      </p:sp>
+      <p:sp>
+        <p:nvSpPr>
+          <p:cNvPr id="3" name="Notes Placeholder 2"/>
+          <p:cNvSpPr>
+            <a:spLocks noGrp="1"/>
+          </p:cNvSpPr>
+          <p:nvPr>
+            <p:ph type="body" idx="1"/>
+          </p:nvPr>
+        </p:nvSpPr>
+        <p:spPr/>
+        <p:txBody>
+          <a:bodyPr/>
+          <a:lstStyle/>
+          <a:p>
+            <a:r>
+              <a:rPr lang="en-US" dirty="0" smtClean="0"/>
+              <a:t>On</a:t>
+            </a:r>
+            <a:r>
+              <a:rPr lang="en-US" baseline="0" dirty="0" smtClean="0"/>
+              <a:t> my </a:t>
+            </a:r>
+            <a:r>
+              <a:rPr lang="en-US" baseline="0" dirty="0" err="1" smtClean="0"/>
+              <a:t>gmail</a:t>
+            </a:r>
+            <a:endParaRPr lang="en-US" dirty="0"/>
+          </a:p>
+        </p:txBody>
+      </p:sp>
+      <p:sp>
+        <p:nvSpPr>
+          <p:cNvPr id="4" name="Slide Number Placeholder 3"/>
+          <p:cNvSpPr>
+            <a:spLocks noGrp="1"/>
+          </p:cNvSpPr>
+          <p:nvPr>
+            <p:ph type="sldNum" sz="quarter" idx="10"/>
+          </p:nvPr>
+        </p:nvSpPr>
+        <p:spPr/>
+        <p:txBody>
+          <a:bodyPr/>
+          <a:lstStyle/>
+          <a:p>
+            <a:fld id="{0248F6B5-FDB6-6B4F-8068-B81AD7C9877A}" type="slidenum">
+              <a:rPr lang="en-US" smtClean="0"/>
+              <a:t>39</a:t>
+            </a:fld>
+            <a:endParaRPr lang="en-US"/>
+          </a:p>
+        </p:txBody>
+      </p:sp>
+    </p:spTree>
+    <p:extLst>
+      <p:ext uri="{BB962C8B-B14F-4D97-AF65-F5344CB8AC3E}">
+        <p14:creationId xmlns:p14="http://schemas.microsoft.com/office/powerpoint/2010/main" val="928293707"/>
+      </p:ext>
+    </p:extLst>
+  </p:cSld>
+  <p:clrMapOvr>
+    <a:masterClrMapping/>
+  </p:clrMapOvr>
+</p:notes>
+</file>
+
+<file path=ppt/notesSlides/notesSlide23.xml><?xml version="1.0" encoding="utf-8"?>
+<p:notes xmlns:a="http://schemas.openxmlformats.org/drawingml/2006/main" xmlns:r="http://schemas.openxmlformats.org/officeDocument/2006/relationships" xmlns:p="http://schemas.openxmlformats.org/presentationml/2006/main">
+  <p:cSld>
+    <p:spTree>
+      <p:nvGrpSpPr>
+        <p:cNvPr id="1" name=""/>
+        <p:cNvGrpSpPr/>
+        <p:nvPr/>
+      </p:nvGrpSpPr>
+      <p:grpSpPr>
+        <a:xfrm>
+          <a:off x="0" y="0"/>
+          <a:ext cx="0" cy="0"/>
+          <a:chOff x="0" y="0"/>
+          <a:chExt cx="0" cy="0"/>
+        </a:xfrm>
+      </p:grpSpPr>
+      <p:sp>
+        <p:nvSpPr>
+          <p:cNvPr id="2" name="Slide Image Placeholder 1"/>
+          <p:cNvSpPr>
+            <a:spLocks noGrp="1" noRot="1" noChangeAspect="1"/>
+          </p:cNvSpPr>
+          <p:nvPr>
+            <p:ph type="sldImg"/>
+          </p:nvPr>
+        </p:nvSpPr>
+        <p:spPr/>
+      </p:sp>
+      <p:sp>
+        <p:nvSpPr>
+          <p:cNvPr id="3" name="Notes Placeholder 2"/>
+          <p:cNvSpPr>
+            <a:spLocks noGrp="1"/>
+          </p:cNvSpPr>
+          <p:nvPr>
+            <p:ph type="body" idx="1"/>
+          </p:nvPr>
+        </p:nvSpPr>
+        <p:spPr/>
+        <p:txBody>
+          <a:bodyPr/>
+          <a:lstStyle/>
+          <a:p>
+            <a:endParaRPr lang="en-US" dirty="0"/>
+          </a:p>
+        </p:txBody>
+      </p:sp>
+      <p:sp>
+        <p:nvSpPr>
+          <p:cNvPr id="4" name="Slide Number Placeholder 3"/>
+          <p:cNvSpPr>
+            <a:spLocks noGrp="1"/>
+          </p:cNvSpPr>
+          <p:nvPr>
+            <p:ph type="sldNum" sz="quarter" idx="10"/>
+          </p:nvPr>
+        </p:nvSpPr>
+        <p:spPr/>
+        <p:txBody>
+          <a:bodyPr/>
+          <a:lstStyle/>
+          <a:p>
+            <a:fld id="{0248F6B5-FDB6-6B4F-8068-B81AD7C9877A}" type="slidenum">
+              <a:rPr lang="en-US" smtClean="0"/>
+              <a:t>45</a:t>
+            </a:fld>
+            <a:endParaRPr lang="en-US"/>
+          </a:p>
+        </p:txBody>
+      </p:sp>
+    </p:spTree>
+    <p:extLst>
+      <p:ext uri="{BB962C8B-B14F-4D97-AF65-F5344CB8AC3E}">
+        <p14:creationId xmlns:p14="http://schemas.microsoft.com/office/powerpoint/2010/main" val="3110949341"/>
+      </p:ext>
+    </p:extLst>
+  </p:cSld>
+  <p:clrMapOvr>
+    <a:masterClrMapping/>
+  </p:clrMapOvr>
+</p:notes>
+</file>
+
+<file path=ppt/notesSlides/notesSlide24.xml><?xml version="1.0" encoding="utf-8"?>
+<p:notes xmlns:a="http://schemas.openxmlformats.org/drawingml/2006/main" xmlns:r="http://schemas.openxmlformats.org/officeDocument/2006/relationships" xmlns:p="http://schemas.openxmlformats.org/presentationml/2006/main">
+  <p:cSld>
+    <p:spTree>
+      <p:nvGrpSpPr>
+        <p:cNvPr id="1" name=""/>
+        <p:cNvGrpSpPr/>
+        <p:nvPr/>
+      </p:nvGrpSpPr>
+      <p:grpSpPr>
+        <a:xfrm>
+          <a:off x="0" y="0"/>
+          <a:ext cx="0" cy="0"/>
+          <a:chOff x="0" y="0"/>
+          <a:chExt cx="0" cy="0"/>
+        </a:xfrm>
+      </p:grpSpPr>
+      <p:sp>
+        <p:nvSpPr>
+          <p:cNvPr id="2" name="Slide Image Placeholder 1"/>
+          <p:cNvSpPr>
+            <a:spLocks noGrp="1" noRot="1" noChangeAspect="1"/>
+          </p:cNvSpPr>
+          <p:nvPr>
+            <p:ph type="sldImg"/>
+          </p:nvPr>
+        </p:nvSpPr>
+        <p:spPr/>
+      </p:sp>
+      <p:sp>
+        <p:nvSpPr>
+          <p:cNvPr id="3" name="Notes Placeholder 2"/>
+          <p:cNvSpPr>
+            <a:spLocks noGrp="1"/>
+          </p:cNvSpPr>
+          <p:nvPr>
+            <p:ph type="body" idx="1"/>
+          </p:nvPr>
+        </p:nvSpPr>
+        <p:spPr/>
+        <p:txBody>
+          <a:bodyPr/>
+          <a:lstStyle/>
+          <a:p>
+            <a:r>
+              <a:rPr lang="en-US" dirty="0" smtClean="0"/>
+              <a:t>To give context,</a:t>
+            </a:r>
+            <a:r>
+              <a:rPr lang="en-US" baseline="0" dirty="0" smtClean="0"/>
+              <a:t> it’s informal.  For example, I would talk about rappers.</a:t>
+            </a:r>
+            <a:endParaRPr lang="en-US" dirty="0"/>
+          </a:p>
+        </p:txBody>
+      </p:sp>
+      <p:sp>
+        <p:nvSpPr>
+          <p:cNvPr id="4" name="Slide Number Placeholder 3"/>
+          <p:cNvSpPr>
+            <a:spLocks noGrp="1"/>
+          </p:cNvSpPr>
+          <p:nvPr>
+            <p:ph type="sldNum" sz="quarter" idx="10"/>
+          </p:nvPr>
+        </p:nvSpPr>
+        <p:spPr/>
+        <p:txBody>
+          <a:bodyPr/>
+          <a:lstStyle/>
+          <a:p>
+            <a:fld id="{0248F6B5-FDB6-6B4F-8068-B81AD7C9877A}" type="slidenum">
+              <a:rPr lang="en-US" smtClean="0"/>
+              <a:t>46</a:t>
+            </a:fld>
+            <a:endParaRPr lang="en-US"/>
+          </a:p>
+        </p:txBody>
+      </p:sp>
+    </p:spTree>
+    <p:extLst>
+      <p:ext uri="{BB962C8B-B14F-4D97-AF65-F5344CB8AC3E}">
+        <p14:creationId xmlns:p14="http://schemas.microsoft.com/office/powerpoint/2010/main" val="2265522596"/>
       </p:ext>
     </p:extLst>
   </p:cSld>
@@ -1074,11 +2220,19 @@
           <a:bodyPr/>
           <a:lstStyle/>
           <a:p>
-            <a:r>
-              <a:rPr lang="en-US" dirty="0" smtClean="0"/>
-              <a:t>Either define Term frequency or never use it.</a:t>
-            </a:r>
             <a:endParaRPr lang="en-US" dirty="0"/>
+          </a:p>
+          <a:p>
+            <a:r>
+              <a:rPr lang="en-US" dirty="0"/>
+              <a:t>----- Meeting Notes (1/12/12 10:49) -----</a:t>
+            </a:r>
+          </a:p>
+          <a:p>
+            <a:r>
+              <a:rPr lang="en-US" dirty="0"/>
+              <a:t>we included the dataset in the datasets directory under email.  if you unzip, the dir structure looks like this</a:t>
+            </a:r>
           </a:p>
         </p:txBody>
       </p:sp>
@@ -1099,7 +2253,7 @@
           <a:p>
             <a:fld id="{0248F6B5-FDB6-6B4F-8068-B81AD7C9877A}" type="slidenum">
               <a:rPr lang="en-US" smtClean="0"/>
-              <a:t>13</a:t>
+              <a:t>5</a:t>
             </a:fld>
             <a:endParaRPr lang="en-US"/>
           </a:p>
@@ -1108,7 +2262,7 @@
     </p:spTree>
     <p:extLst>
       <p:ext uri="{BB962C8B-B14F-4D97-AF65-F5344CB8AC3E}">
-        <p14:creationId xmlns:p14="http://schemas.microsoft.com/office/powerpoint/2010/main" val="1511436176"/>
+        <p14:creationId xmlns:p14="http://schemas.microsoft.com/office/powerpoint/2010/main" val="4039679529"/>
       </p:ext>
     </p:extLst>
   </p:cSld>
@@ -1162,11 +2316,28 @@
           <a:bodyPr/>
           <a:lstStyle/>
           <a:p>
-            <a:r>
-              <a:rPr lang="en-US" dirty="0" smtClean="0"/>
-              <a:t>Great.  We got a list of important words for each email.</a:t>
-            </a:r>
             <a:endParaRPr lang="en-US" dirty="0"/>
+          </a:p>
+          <a:p>
+            <a:r>
+              <a:rPr lang="en-US" dirty="0"/>
+              <a:t>----- Meeting Notes (1/12/12 10:49) -----</a:t>
+            </a:r>
+          </a:p>
+          <a:p>
+            <a:r>
+              <a:rPr lang="en-US" dirty="0"/>
+              <a:t>Each folder contains a list of files.  and each file is a single email</a:t>
+            </a:r>
+          </a:p>
+          <a:p>
+            <a:endParaRPr lang="en-US" dirty="0"/>
+          </a:p>
+          <a:p>
+            <a:r>
+              <a:rPr lang="en-US" dirty="0"/>
+              <a:t>in today's lab, we want to do two things</a:t>
+            </a:r>
           </a:p>
         </p:txBody>
       </p:sp>
@@ -1187,7 +2358,7 @@
           <a:p>
             <a:fld id="{0248F6B5-FDB6-6B4F-8068-B81AD7C9877A}" type="slidenum">
               <a:rPr lang="en-US" smtClean="0"/>
-              <a:t>25</a:t>
+              <a:t>6</a:t>
             </a:fld>
             <a:endParaRPr lang="en-US"/>
           </a:p>
@@ -1196,7 +2367,7 @@
     </p:spTree>
     <p:extLst>
       <p:ext uri="{BB962C8B-B14F-4D97-AF65-F5344CB8AC3E}">
-        <p14:creationId xmlns:p14="http://schemas.microsoft.com/office/powerpoint/2010/main" val="3001685384"/>
+        <p14:creationId xmlns:p14="http://schemas.microsoft.com/office/powerpoint/2010/main" val="4039679529"/>
       </p:ext>
     </p:extLst>
   </p:cSld>
@@ -1250,11 +2421,31 @@
           <a:bodyPr/>
           <a:lstStyle/>
           <a:p>
-            <a:r>
-              <a:rPr lang="en-US" dirty="0" smtClean="0"/>
-              <a:t>Great.  We got a list of important words for each email.</a:t>
-            </a:r>
-            <a:endParaRPr lang="en-US" dirty="0"/>
+            <a:endParaRPr lang="en-US"/>
+          </a:p>
+          <a:p>
+            <a:r>
+              <a:rPr lang="en-US"/>
+              <a:t>----- Meeting Notes (1/12/12 10:49) -----</a:t>
+            </a:r>
+          </a:p>
+          <a:p>
+            <a:r>
+              <a:rPr lang="en-US"/>
+              <a:t>First, we'd like to find the relevant terms in a given email. </a:t>
+            </a:r>
+          </a:p>
+          <a:p>
+            <a:endParaRPr lang="en-US"/>
+          </a:p>
+          <a:p>
+            <a:r>
+              <a:rPr lang="en-US"/>
+              <a:t>For example, for one email we want to extract the relevant terms ….</a:t>
+            </a:r>
+          </a:p>
+          <a:p>
+            <a:endParaRPr lang="en-US"/>
           </a:p>
         </p:txBody>
       </p:sp>
@@ -1275,7 +2466,7 @@
           <a:p>
             <a:fld id="{0248F6B5-FDB6-6B4F-8068-B81AD7C9877A}" type="slidenum">
               <a:rPr lang="en-US" smtClean="0"/>
-              <a:t>26</a:t>
+              <a:t>8</a:t>
             </a:fld>
             <a:endParaRPr lang="en-US"/>
           </a:p>
@@ -1284,7 +2475,7 @@
     </p:spTree>
     <p:extLst>
       <p:ext uri="{BB962C8B-B14F-4D97-AF65-F5344CB8AC3E}">
-        <p14:creationId xmlns:p14="http://schemas.microsoft.com/office/powerpoint/2010/main" val="3001685384"/>
+        <p14:creationId xmlns:p14="http://schemas.microsoft.com/office/powerpoint/2010/main" val="1096372048"/>
       </p:ext>
     </p:extLst>
   </p:cSld>
@@ -1338,31 +2529,28 @@
           <a:bodyPr/>
           <a:lstStyle/>
           <a:p>
-            <a:r>
-              <a:rPr lang="en-US" dirty="0" smtClean="0"/>
-              <a:t>It turns out these</a:t>
-            </a:r>
-            <a:r>
-              <a:rPr lang="en-US" baseline="0" dirty="0" smtClean="0"/>
-              <a:t> </a:t>
-            </a:r>
-            <a:r>
-              <a:rPr lang="en-US" baseline="0" dirty="0" err="1" smtClean="0"/>
-              <a:t>tfidf</a:t>
-            </a:r>
-            <a:r>
-              <a:rPr lang="en-US" baseline="0" dirty="0" smtClean="0"/>
-              <a:t> scores can </a:t>
-            </a:r>
-            <a:r>
-              <a:rPr lang="en-US" dirty="0" smtClean="0"/>
-              <a:t>help</a:t>
-            </a:r>
-            <a:r>
-              <a:rPr lang="en-US" baseline="0" dirty="0" smtClean="0"/>
-              <a:t> us solve the second problem.</a:t>
-            </a:r>
-            <a:endParaRPr lang="en-US" dirty="0"/>
+            <a:endParaRPr lang="en-US"/>
+          </a:p>
+          <a:p>
+            <a:r>
+              <a:rPr lang="en-US"/>
+              <a:t>----- Meeting Notes (1/12/12 10:49) -----</a:t>
+            </a:r>
+          </a:p>
+          <a:p>
+            <a:r>
+              <a:rPr lang="en-US"/>
+              <a:t>Second, we'd like to compute a score to tell us how similar the emails are to one another.</a:t>
+            </a:r>
+          </a:p>
+          <a:p>
+            <a:endParaRPr lang="en-US"/>
+          </a:p>
+          <a:p>
+            <a:r>
+              <a:rPr lang="en-US"/>
+              <a:t>For example, reading email about brunch.</a:t>
+            </a:r>
           </a:p>
         </p:txBody>
       </p:sp>
@@ -1383,7 +2571,7 @@
           <a:p>
             <a:fld id="{0248F6B5-FDB6-6B4F-8068-B81AD7C9877A}" type="slidenum">
               <a:rPr lang="en-US" smtClean="0"/>
-              <a:t>27</a:t>
+              <a:t>9</a:t>
             </a:fld>
             <a:endParaRPr lang="en-US"/>
           </a:p>
@@ -1392,7 +2580,7 @@
     </p:spTree>
     <p:extLst>
       <p:ext uri="{BB962C8B-B14F-4D97-AF65-F5344CB8AC3E}">
-        <p14:creationId xmlns:p14="http://schemas.microsoft.com/office/powerpoint/2010/main" val="4017017431"/>
+        <p14:creationId xmlns:p14="http://schemas.microsoft.com/office/powerpoint/2010/main" val="1021293455"/>
       </p:ext>
     </p:extLst>
   </p:cSld>
@@ -1446,23 +2634,28 @@
           <a:bodyPr/>
           <a:lstStyle/>
           <a:p>
-            <a:r>
-              <a:rPr lang="en-US" dirty="0" smtClean="0"/>
-              <a:t>Let’s say we already calculated the </a:t>
-            </a:r>
-            <a:r>
-              <a:rPr lang="en-US" dirty="0" err="1" smtClean="0"/>
-              <a:t>tfidfs</a:t>
-            </a:r>
-            <a:r>
-              <a:rPr lang="en-US" dirty="0" smtClean="0"/>
-              <a:t>, and took the top </a:t>
-            </a:r>
-            <a:r>
-              <a:rPr lang="en-US" dirty="0" err="1" smtClean="0"/>
-              <a:t>tfidfs</a:t>
-            </a:r>
-            <a:endParaRPr lang="en-US" dirty="0"/>
+            <a:endParaRPr lang="en-US"/>
+          </a:p>
+          <a:p>
+            <a:r>
+              <a:rPr lang="en-US"/>
+              <a:t>----- Meeting Notes (1/12/12 10:49) -----</a:t>
+            </a:r>
+          </a:p>
+          <a:p>
+            <a:r>
+              <a:rPr lang="en-US"/>
+              <a:t>what other emails are talking about food, or brunch?</a:t>
+            </a:r>
+          </a:p>
+          <a:p>
+            <a:endParaRPr lang="en-US"/>
+          </a:p>
+          <a:p>
+            <a:r>
+              <a:rPr lang="en-US"/>
+              <a:t>Similarity should weigh those emails higher than</a:t>
+            </a:r>
           </a:p>
         </p:txBody>
       </p:sp>
@@ -1483,7 +2676,7 @@
           <a:p>
             <a:fld id="{0248F6B5-FDB6-6B4F-8068-B81AD7C9877A}" type="slidenum">
               <a:rPr lang="en-US" smtClean="0"/>
-              <a:t>28</a:t>
+              <a:t>10</a:t>
             </a:fld>
             <a:endParaRPr lang="en-US"/>
           </a:p>
@@ -1492,7 +2685,7 @@
     </p:spTree>
     <p:extLst>
       <p:ext uri="{BB962C8B-B14F-4D97-AF65-F5344CB8AC3E}">
-        <p14:creationId xmlns:p14="http://schemas.microsoft.com/office/powerpoint/2010/main" val="706586820"/>
+        <p14:creationId xmlns:p14="http://schemas.microsoft.com/office/powerpoint/2010/main" val="1496713007"/>
       </p:ext>
     </p:extLst>
   </p:cSld>
@@ -1546,11 +2739,28 @@
           <a:bodyPr/>
           <a:lstStyle/>
           <a:p>
-            <a:r>
-              <a:rPr lang="en-US" dirty="0" smtClean="0"/>
-              <a:t>Ask a question here.  Can I design an email similar to all emails</a:t>
-            </a:r>
-            <a:endParaRPr lang="en-US" dirty="0"/>
+            <a:endParaRPr lang="en-US"/>
+          </a:p>
+          <a:p>
+            <a:r>
+              <a:rPr lang="en-US"/>
+              <a:t>----- Meeting Notes (1/12/12 10:49) -----</a:t>
+            </a:r>
+          </a:p>
+          <a:p>
+            <a:r>
+              <a:rPr lang="en-US"/>
+              <a:t>ones about prominent rap stars.</a:t>
+            </a:r>
+          </a:p>
+          <a:p>
+            <a:endParaRPr lang="en-US"/>
+          </a:p>
+          <a:p>
+            <a:r>
+              <a:rPr lang="en-US"/>
+              <a:t>alright.</a:t>
+            </a:r>
           </a:p>
         </p:txBody>
       </p:sp>
@@ -1571,7 +2781,7 @@
           <a:p>
             <a:fld id="{0248F6B5-FDB6-6B4F-8068-B81AD7C9877A}" type="slidenum">
               <a:rPr lang="en-US" smtClean="0"/>
-              <a:t>29</a:t>
+              <a:t>11</a:t>
             </a:fld>
             <a:endParaRPr lang="en-US"/>
           </a:p>
@@ -1580,7 +2790,7 @@
     </p:spTree>
     <p:extLst>
       <p:ext uri="{BB962C8B-B14F-4D97-AF65-F5344CB8AC3E}">
-        <p14:creationId xmlns:p14="http://schemas.microsoft.com/office/powerpoint/2010/main" val="1043097578"/>
+        <p14:creationId xmlns:p14="http://schemas.microsoft.com/office/powerpoint/2010/main" val="3377940266"/>
       </p:ext>
     </p:extLst>
   </p:cSld>
@@ -1636,11 +2846,28 @@
           <a:p>
             <a:r>
               <a:rPr lang="en-US" dirty="0" smtClean="0"/>
-              <a:t>Explain dot product and norm with</a:t>
-            </a:r>
-            <a:r>
-              <a:rPr lang="en-US" baseline="0" dirty="0" smtClean="0"/>
-              <a:t> example.</a:t>
+              <a:t>Either define Term frequency or never use it.</a:t>
+            </a:r>
+          </a:p>
+          <a:p>
+            <a:r>
+              <a:rPr lang="en-US" dirty="0" smtClean="0"/>
+              <a:t>----- Meeting Notes (1/12/12 10:49) -----</a:t>
+            </a:r>
+          </a:p>
+          <a:p>
+            <a:r>
+              <a:rPr lang="en-US" dirty="0" smtClean="0"/>
+              <a:t>what if we counted the number of times each word is used?  The assumption is that the more relevant a word is, the more times it'll be mentioned.</a:t>
+            </a:r>
+          </a:p>
+          <a:p>
+            <a:endParaRPr lang="en-US" dirty="0" smtClean="0"/>
+          </a:p>
+          <a:p>
+            <a:r>
+              <a:rPr lang="en-US" dirty="0" smtClean="0"/>
+              <a:t>This count is also called Term-Frequency</a:t>
             </a:r>
             <a:endParaRPr lang="en-US" dirty="0"/>
           </a:p>
@@ -1663,7 +2890,7 @@
           <a:p>
             <a:fld id="{0248F6B5-FDB6-6B4F-8068-B81AD7C9877A}" type="slidenum">
               <a:rPr lang="en-US" smtClean="0"/>
-              <a:t>31</a:t>
+              <a:t>13</a:t>
             </a:fld>
             <a:endParaRPr lang="en-US"/>
           </a:p>
@@ -1672,7 +2899,7 @@
     </p:spTree>
     <p:extLst>
       <p:ext uri="{BB962C8B-B14F-4D97-AF65-F5344CB8AC3E}">
-        <p14:creationId xmlns:p14="http://schemas.microsoft.com/office/powerpoint/2010/main" val="2361098693"/>
+        <p14:creationId xmlns:p14="http://schemas.microsoft.com/office/powerpoint/2010/main" val="1511436176"/>
       </p:ext>
     </p:extLst>
   </p:cSld>
@@ -4820,7 +6047,7 @@
           <p:nvPr/>
         </p:nvPicPr>
         <p:blipFill>
-          <a:blip r:embed="rId2"/>
+          <a:blip r:embed="rId3"/>
           <a:stretch>
             <a:fillRect/>
           </a:stretch>
@@ -4844,7 +6071,7 @@
           <p:nvPr/>
         </p:nvPicPr>
         <p:blipFill>
-          <a:blip r:embed="rId3"/>
+          <a:blip r:embed="rId4"/>
           <a:stretch>
             <a:fillRect/>
           </a:stretch>
@@ -5000,7 +6227,7 @@
           <p:nvPr/>
         </p:nvPicPr>
         <p:blipFill>
-          <a:blip r:embed="rId2"/>
+          <a:blip r:embed="rId3"/>
           <a:stretch>
             <a:fillRect/>
           </a:stretch>
@@ -5024,7 +6251,7 @@
           <p:nvPr/>
         </p:nvPicPr>
         <p:blipFill>
-          <a:blip r:embed="rId3"/>
+          <a:blip r:embed="rId4"/>
           <a:stretch>
             <a:fillRect/>
           </a:stretch>
@@ -5048,7 +6275,7 @@
           <p:nvPr/>
         </p:nvPicPr>
         <p:blipFill>
-          <a:blip r:embed="rId4"/>
+          <a:blip r:embed="rId5"/>
           <a:stretch>
             <a:fillRect/>
           </a:stretch>
@@ -6710,7 +7937,7 @@
             </a:r>
             <a:r>
               <a:rPr lang="en-US" dirty="0" smtClean="0"/>
-              <a:t>term</a:t>
+              <a:t>word</a:t>
             </a:r>
           </a:p>
           <a:p>
@@ -8235,7 +9462,7 @@
           </p:nvPr>
         </p:nvPicPr>
         <p:blipFill>
-          <a:blip r:embed="rId2"/>
+          <a:blip r:embed="rId3"/>
           <a:srcRect l="-39673" r="-39673"/>
           <a:stretch>
             <a:fillRect/>
@@ -9497,6 +10724,13 @@
   <p:clrMapOvr>
     <a:masterClrMapping/>
   </p:clrMapOvr>
+  <p:timing>
+    <p:tnLst>
+      <p:par>
+        <p:cTn xmlns:p14="http://schemas.microsoft.com/office/powerpoint/2010/main" id="1" dur="indefinite" restart="never" nodeType="tmRoot"/>
+      </p:par>
+    </p:tnLst>
+  </p:timing>
 </p:sld>
 </file>
 
@@ -9728,6 +10962,13 @@
   <p:clrMapOvr>
     <a:masterClrMapping/>
   </p:clrMapOvr>
+  <p:timing>
+    <p:tnLst>
+      <p:par>
+        <p:cTn xmlns:p14="http://schemas.microsoft.com/office/powerpoint/2010/main" id="1" dur="indefinite" restart="never" nodeType="tmRoot"/>
+      </p:par>
+    </p:tnLst>
+  </p:timing>
 </p:sld>
 </file>
 
@@ -10107,6 +11348,13 @@
   <p:clrMapOvr>
     <a:masterClrMapping/>
   </p:clrMapOvr>
+  <p:timing>
+    <p:tnLst>
+      <p:par>
+        <p:cTn xmlns:p14="http://schemas.microsoft.com/office/powerpoint/2010/main" id="1" dur="indefinite" restart="never" nodeType="tmRoot"/>
+      </p:par>
+    </p:tnLst>
+  </p:timing>
 </p:sld>
 </file>
 
@@ -10917,6 +12165,13 @@
   <p:clrMapOvr>
     <a:masterClrMapping/>
   </p:clrMapOvr>
+  <p:timing>
+    <p:tnLst>
+      <p:par>
+        <p:cTn xmlns:p14="http://schemas.microsoft.com/office/powerpoint/2010/main" id="1" dur="indefinite" restart="never" nodeType="tmRoot"/>
+      </p:par>
+    </p:tnLst>
+  </p:timing>
 </p:sld>
 </file>
 
@@ -10967,7 +12222,7 @@
           </p:nvPr>
         </p:nvPicPr>
         <p:blipFill>
-          <a:blip r:embed="rId2"/>
+          <a:blip r:embed="rId3"/>
           <a:srcRect l="-21636" r="-21636"/>
           <a:stretch>
             <a:fillRect/>
@@ -11054,7 +12309,11 @@
               <a:t>Email1 = conference, </a:t>
             </a:r>
             <a:r>
-              <a:rPr lang="en-US" dirty="0" err="1"/>
+              <a:rPr lang="en-US" b="1" dirty="0" err="1">
+                <a:solidFill>
+                  <a:srgbClr val="4F81BD"/>
+                </a:solidFill>
+              </a:rPr>
               <a:t>enron</a:t>
             </a:r>
             <a:r>
@@ -11071,7 +12330,11 @@
               <a:t>Email2 = </a:t>
             </a:r>
             <a:r>
-              <a:rPr lang="en-US" dirty="0" err="1"/>
+              <a:rPr lang="en-US" b="1" dirty="0" err="1">
+                <a:solidFill>
+                  <a:srgbClr val="4F81BD"/>
+                </a:solidFill>
+              </a:rPr>
               <a:t>enron</a:t>
             </a:r>
             <a:r>
@@ -11155,6 +12418,13 @@
   <p:clrMapOvr>
     <a:masterClrMapping/>
   </p:clrMapOvr>
+  <p:timing>
+    <p:tnLst>
+      <p:par>
+        <p:cTn xmlns:p14="http://schemas.microsoft.com/office/powerpoint/2010/main" id="1" dur="indefinite" restart="never" nodeType="tmRoot"/>
+      </p:par>
+    </p:tnLst>
+  </p:timing>
 </p:sld>
 </file>
 
@@ -11316,6 +12586,13 @@
   <p:clrMapOvr>
     <a:masterClrMapping/>
   </p:clrMapOvr>
+  <p:timing>
+    <p:tnLst>
+      <p:par>
+        <p:cTn xmlns:p14="http://schemas.microsoft.com/office/powerpoint/2010/main" id="1" dur="indefinite" restart="never" nodeType="tmRoot"/>
+      </p:par>
+    </p:tnLst>
+  </p:timing>
 </p:sld>
 </file>
 
@@ -11419,6 +12696,13 @@
   <p:clrMapOvr>
     <a:masterClrMapping/>
   </p:clrMapOvr>
+  <p:timing>
+    <p:tnLst>
+      <p:par>
+        <p:cTn xmlns:p14="http://schemas.microsoft.com/office/powerpoint/2010/main" id="1" dur="indefinite" restart="never" nodeType="tmRoot"/>
+      </p:par>
+    </p:tnLst>
+  </p:timing>
 </p:sld>
 </file>
 
@@ -11553,7 +12837,7 @@
                 <a:latin typeface="Consolas"/>
                 <a:cs typeface="Consolas"/>
               </a:rPr>
-              <a:t>’]</a:t>
+              <a:t>’] + …</a:t>
             </a:r>
             <a:endParaRPr lang="en-US" dirty="0">
               <a:latin typeface="Consolas"/>
@@ -11572,6 +12856,13 @@
   <p:clrMapOvr>
     <a:masterClrMapping/>
   </p:clrMapOvr>
+  <p:timing>
+    <p:tnLst>
+      <p:par>
+        <p:cTn xmlns:p14="http://schemas.microsoft.com/office/powerpoint/2010/main" id="1" dur="indefinite" restart="never" nodeType="tmRoot"/>
+      </p:par>
+    </p:tnLst>
+  </p:timing>
 </p:sld>
 </file>
 
@@ -11708,6 +12999,17 @@
               </a:rPr>
               <a:t>’]</a:t>
             </a:r>
+            <a:r>
+              <a:rPr lang="en-US" dirty="0">
+                <a:latin typeface="Consolas"/>
+                <a:cs typeface="Consolas"/>
+              </a:rPr>
+              <a:t> + …</a:t>
+            </a:r>
+            <a:endParaRPr lang="en-US" dirty="0" smtClean="0">
+              <a:latin typeface="Consolas"/>
+              <a:cs typeface="Consolas"/>
+            </a:endParaRPr>
           </a:p>
           <a:p>
             <a:pPr marL="0" indent="0" algn="ctr">
@@ -11841,6 +13143,190 @@
           </a:fontRef>
         </p:style>
       </p:cxnSp>
+      <p:sp>
+        <p:nvSpPr>
+          <p:cNvPr id="5" name="Rectangle 4"/>
+          <p:cNvSpPr/>
+          <p:nvPr/>
+        </p:nvSpPr>
+        <p:spPr>
+          <a:xfrm>
+            <a:off x="2375954" y="5081972"/>
+            <a:ext cx="861534" cy="830997"/>
+          </a:xfrm>
+          <a:prstGeom prst="rect">
+            <a:avLst/>
+          </a:prstGeom>
+        </p:spPr>
+        <p:txBody>
+          <a:bodyPr wrap="none">
+            <a:spAutoFit/>
+          </a:bodyPr>
+          <a:lstStyle/>
+          <a:p>
+            <a:r>
+              <a:rPr lang="en-US" sz="4800" dirty="0">
+                <a:solidFill>
+                  <a:schemeClr val="bg1">
+                    <a:lumMod val="50000"/>
+                  </a:schemeClr>
+                </a:solidFill>
+                <a:latin typeface="Consolas"/>
+                <a:cs typeface="Consolas"/>
+              </a:rPr>
+              <a:t>E1</a:t>
+            </a:r>
+            <a:endParaRPr lang="en-US" sz="4800" dirty="0">
+              <a:solidFill>
+                <a:schemeClr val="bg1">
+                  <a:lumMod val="50000"/>
+                </a:schemeClr>
+              </a:solidFill>
+            </a:endParaRPr>
+          </a:p>
+        </p:txBody>
+      </p:sp>
+      <p:sp>
+        <p:nvSpPr>
+          <p:cNvPr id="6" name="Rectangle 5"/>
+          <p:cNvSpPr/>
+          <p:nvPr/>
+        </p:nvSpPr>
+        <p:spPr>
+          <a:xfrm>
+            <a:off x="5785467" y="5081972"/>
+            <a:ext cx="861534" cy="830997"/>
+          </a:xfrm>
+          <a:prstGeom prst="rect">
+            <a:avLst/>
+          </a:prstGeom>
+        </p:spPr>
+        <p:txBody>
+          <a:bodyPr wrap="none">
+            <a:spAutoFit/>
+          </a:bodyPr>
+          <a:lstStyle/>
+          <a:p>
+            <a:r>
+              <a:rPr lang="en-US" sz="4800" dirty="0" smtClean="0">
+                <a:solidFill>
+                  <a:schemeClr val="bg1">
+                    <a:lumMod val="50000"/>
+                  </a:schemeClr>
+                </a:solidFill>
+                <a:latin typeface="Consolas"/>
+                <a:cs typeface="Consolas"/>
+              </a:rPr>
+              <a:t>E2</a:t>
+            </a:r>
+            <a:endParaRPr lang="en-US" sz="4800" dirty="0">
+              <a:solidFill>
+                <a:schemeClr val="bg1">
+                  <a:lumMod val="50000"/>
+                </a:schemeClr>
+              </a:solidFill>
+            </a:endParaRPr>
+          </a:p>
+        </p:txBody>
+      </p:sp>
+      <p:sp>
+        <p:nvSpPr>
+          <p:cNvPr id="8" name="Right Brace 7"/>
+          <p:cNvSpPr/>
+          <p:nvPr/>
+        </p:nvSpPr>
+        <p:spPr>
+          <a:xfrm rot="5400000">
+            <a:off x="2616984" y="3827675"/>
+            <a:ext cx="384087" cy="2145764"/>
+          </a:xfrm>
+          <a:prstGeom prst="rightBrace">
+            <a:avLst/>
+          </a:prstGeom>
+          <a:ln>
+            <a:solidFill>
+              <a:schemeClr val="bg1">
+                <a:lumMod val="50000"/>
+              </a:schemeClr>
+            </a:solidFill>
+          </a:ln>
+        </p:spPr>
+        <p:style>
+          <a:lnRef idx="2">
+            <a:schemeClr val="accent1"/>
+          </a:lnRef>
+          <a:fillRef idx="0">
+            <a:schemeClr val="accent1"/>
+          </a:fillRef>
+          <a:effectRef idx="1">
+            <a:schemeClr val="accent1"/>
+          </a:effectRef>
+          <a:fontRef idx="minor">
+            <a:schemeClr val="tx1"/>
+          </a:fontRef>
+        </p:style>
+        <p:txBody>
+          <a:bodyPr rtlCol="0" anchor="ctr"/>
+          <a:lstStyle/>
+          <a:p>
+            <a:pPr algn="ctr"/>
+            <a:endParaRPr lang="en-US">
+              <a:solidFill>
+                <a:srgbClr val="7F7F7F"/>
+              </a:solidFill>
+            </a:endParaRPr>
+          </a:p>
+        </p:txBody>
+      </p:sp>
+      <p:sp>
+        <p:nvSpPr>
+          <p:cNvPr id="9" name="Right Brace 8"/>
+          <p:cNvSpPr/>
+          <p:nvPr/>
+        </p:nvSpPr>
+        <p:spPr>
+          <a:xfrm rot="5400000">
+            <a:off x="6006018" y="3827676"/>
+            <a:ext cx="384087" cy="2145764"/>
+          </a:xfrm>
+          <a:prstGeom prst="rightBrace">
+            <a:avLst/>
+          </a:prstGeom>
+          <a:ln>
+            <a:solidFill>
+              <a:schemeClr val="bg1">
+                <a:lumMod val="50000"/>
+              </a:schemeClr>
+            </a:solidFill>
+          </a:ln>
+        </p:spPr>
+        <p:style>
+          <a:lnRef idx="2">
+            <a:schemeClr val="accent1"/>
+          </a:lnRef>
+          <a:fillRef idx="0">
+            <a:schemeClr val="accent1"/>
+          </a:fillRef>
+          <a:effectRef idx="1">
+            <a:schemeClr val="accent1"/>
+          </a:effectRef>
+          <a:fontRef idx="minor">
+            <a:schemeClr val="tx1"/>
+          </a:fontRef>
+        </p:style>
+        <p:txBody>
+          <a:bodyPr rtlCol="0" anchor="ctr"/>
+          <a:lstStyle/>
+          <a:p>
+            <a:pPr algn="ctr"/>
+            <a:endParaRPr lang="en-US">
+              <a:solidFill>
+                <a:srgbClr val="7F7F7F"/>
+              </a:solidFill>
+            </a:endParaRPr>
+          </a:p>
+        </p:txBody>
+      </p:sp>
     </p:spTree>
     <p:extLst>
       <p:ext uri="{BB962C8B-B14F-4D97-AF65-F5344CB8AC3E}">
@@ -11851,6 +13337,13 @@
   <p:clrMapOvr>
     <a:masterClrMapping/>
   </p:clrMapOvr>
+  <p:timing>
+    <p:tnLst>
+      <p:par>
+        <p:cTn xmlns:p14="http://schemas.microsoft.com/office/powerpoint/2010/main" id="1" dur="indefinite" restart="never" nodeType="tmRoot"/>
+      </p:par>
+    </p:tnLst>
+  </p:timing>
 </p:sld>
 </file>
 
@@ -13543,6 +15036,84 @@
       </p:grpSpPr>
       <p:sp>
         <p:nvSpPr>
+          <p:cNvPr id="4" name="Title 3"/>
+          <p:cNvSpPr>
+            <a:spLocks noGrp="1"/>
+          </p:cNvSpPr>
+          <p:nvPr>
+            <p:ph type="ctrTitle"/>
+          </p:nvPr>
+        </p:nvSpPr>
+        <p:spPr/>
+        <p:txBody>
+          <a:bodyPr>
+            <a:normAutofit/>
+          </a:bodyPr>
+          <a:lstStyle/>
+          <a:p>
+            <a:r>
+              <a:rPr lang="en-US" sz="8000" dirty="0" smtClean="0"/>
+              <a:t>Pretty Long</a:t>
+            </a:r>
+            <a:endParaRPr lang="en-US" sz="8000" dirty="0"/>
+          </a:p>
+        </p:txBody>
+      </p:sp>
+      <p:sp>
+        <p:nvSpPr>
+          <p:cNvPr id="5" name="Subtitle 4"/>
+          <p:cNvSpPr>
+            <a:spLocks noGrp="1"/>
+          </p:cNvSpPr>
+          <p:nvPr>
+            <p:ph type="subTitle" idx="1"/>
+          </p:nvPr>
+        </p:nvSpPr>
+        <p:spPr/>
+        <p:txBody>
+          <a:bodyPr/>
+          <a:lstStyle/>
+          <a:p>
+            <a:r>
+              <a:rPr lang="en-US" dirty="0" smtClean="0"/>
+              <a:t>(optional)</a:t>
+            </a:r>
+            <a:endParaRPr lang="en-US" dirty="0"/>
+          </a:p>
+        </p:txBody>
+      </p:sp>
+    </p:spTree>
+    <p:extLst>
+      <p:ext uri="{BB962C8B-B14F-4D97-AF65-F5344CB8AC3E}">
+        <p14:creationId xmlns:p14="http://schemas.microsoft.com/office/powerpoint/2010/main" val="2659956013"/>
+      </p:ext>
+    </p:extLst>
+  </p:cSld>
+  <p:clrMapOvr>
+    <a:masterClrMapping/>
+  </p:clrMapOvr>
+</p:sld>
+</file>
+
+<file path=ppt/slides/slide45.xml><?xml version="1.0" encoding="utf-8"?>
+<p:sld xmlns:a="http://schemas.openxmlformats.org/drawingml/2006/main" xmlns:r="http://schemas.openxmlformats.org/officeDocument/2006/relationships" xmlns:p="http://schemas.openxmlformats.org/presentationml/2006/main">
+  <p:cSld>
+    <p:spTree>
+      <p:nvGrpSpPr>
+        <p:cNvPr id="1" name=""/>
+        <p:cNvGrpSpPr/>
+        <p:nvPr/>
+      </p:nvGrpSpPr>
+      <p:grpSpPr>
+        <a:xfrm>
+          <a:off x="0" y="0"/>
+          <a:ext cx="0" cy="0"/>
+          <a:chOff x="0" y="0"/>
+          <a:chExt cx="0" cy="0"/>
+        </a:xfrm>
+      </p:grpSpPr>
+      <p:sp>
+        <p:nvSpPr>
           <p:cNvPr id="2" name="Title 1"/>
           <p:cNvSpPr>
             <a:spLocks noGrp="1"/>
@@ -13655,7 +15226,7 @@
 </p:sld>
 </file>
 
-<file path=ppt/slides/slide45.xml><?xml version="1.0" encoding="utf-8"?>
+<file path=ppt/slides/slide46.xml><?xml version="1.0" encoding="utf-8"?>
 <p:sld xmlns:a="http://schemas.openxmlformats.org/drawingml/2006/main" xmlns:r="http://schemas.openxmlformats.org/officeDocument/2006/relationships" xmlns:p="http://schemas.openxmlformats.org/presentationml/2006/main">
   <p:cSld>
     <p:spTree>
@@ -13781,7 +15352,7 @@
 </p:sld>
 </file>
 
-<file path=ppt/slides/slide46.xml><?xml version="1.0" encoding="utf-8"?>
+<file path=ppt/slides/slide47.xml><?xml version="1.0" encoding="utf-8"?>
 <p:sld xmlns:a="http://schemas.openxmlformats.org/drawingml/2006/main" xmlns:r="http://schemas.openxmlformats.org/officeDocument/2006/relationships" xmlns:p="http://schemas.openxmlformats.org/presentationml/2006/main">
   <p:cSld>
     <p:spTree>
@@ -13921,7 +15492,7 @@
 </p:sld>
 </file>
 
-<file path=ppt/slides/slide47.xml><?xml version="1.0" encoding="utf-8"?>
+<file path=ppt/slides/slide48.xml><?xml version="1.0" encoding="utf-8"?>
 <p:sld xmlns:a="http://schemas.openxmlformats.org/drawingml/2006/main" xmlns:r="http://schemas.openxmlformats.org/officeDocument/2006/relationships" xmlns:p="http://schemas.openxmlformats.org/presentationml/2006/main" show="0">
   <p:cSld>
     <p:spTree>
@@ -14570,7 +16141,7 @@
           <p:nvPr/>
         </p:nvPicPr>
         <p:blipFill>
-          <a:blip r:embed="rId2"/>
+          <a:blip r:embed="rId3"/>
           <a:srcRect l="-21636" r="-21636"/>
           <a:stretch>
             <a:fillRect/>
@@ -14774,7 +16345,7 @@
           <p:nvPr/>
         </p:nvPicPr>
         <p:blipFill>
-          <a:blip r:embed="rId2"/>
+          <a:blip r:embed="rId3"/>
           <a:stretch>
             <a:fillRect/>
           </a:stretch>

--- a/lectures/day4.pptx
+++ b/lectures/day4.pptx
@@ -13044,11 +13044,18 @@
               <a:t>2</a:t>
             </a:r>
             <a:r>
+              <a:rPr lang="en-US" dirty="0">
+                <a:latin typeface="Consolas"/>
+                <a:cs typeface="Consolas"/>
+              </a:rPr>
+              <a:t>+</a:t>
+            </a:r>
+            <a:r>
               <a:rPr lang="en-US" dirty="0" smtClean="0">
                 <a:latin typeface="Consolas"/>
                 <a:cs typeface="Consolas"/>
               </a:rPr>
-              <a:t>*3</a:t>
+              <a:t>3</a:t>
             </a:r>
             <a:r>
               <a:rPr lang="en-US" baseline="30000" dirty="0" smtClean="0">
@@ -13062,7 +13069,7 @@
                 <a:latin typeface="Consolas"/>
                 <a:cs typeface="Consolas"/>
               </a:rPr>
-              <a:t>) + </a:t>
+              <a:t>) * </a:t>
             </a:r>
             <a:r>
               <a:rPr lang="en-US" dirty="0" err="1" smtClean="0">
@@ -13086,11 +13093,18 @@
               <a:t>2</a:t>
             </a:r>
             <a:r>
+              <a:rPr lang="en-US" dirty="0">
+                <a:latin typeface="Consolas"/>
+                <a:cs typeface="Consolas"/>
+              </a:rPr>
+              <a:t>+</a:t>
+            </a:r>
+            <a:r>
               <a:rPr lang="en-US" dirty="0" smtClean="0">
                 <a:latin typeface="Consolas"/>
                 <a:cs typeface="Consolas"/>
               </a:rPr>
-              <a:t>*2</a:t>
+              <a:t>2</a:t>
             </a:r>
             <a:r>
               <a:rPr lang="en-US" baseline="30000" dirty="0" smtClean="0">
@@ -14507,6 +14521,13 @@
   <p:clrMapOvr>
     <a:masterClrMapping/>
   </p:clrMapOvr>
+  <p:timing>
+    <p:tnLst>
+      <p:par>
+        <p:cTn xmlns:p14="http://schemas.microsoft.com/office/powerpoint/2010/main" id="1" dur="indefinite" restart="never" nodeType="tmRoot"/>
+      </p:par>
+    </p:tnLst>
+  </p:timing>
 </p:sld>
 </file>
 
@@ -14660,6 +14681,13 @@
   <p:clrMapOvr>
     <a:masterClrMapping/>
   </p:clrMapOvr>
+  <p:timing>
+    <p:tnLst>
+      <p:par>
+        <p:cTn xmlns:p14="http://schemas.microsoft.com/office/powerpoint/2010/main" id="1" dur="indefinite" restart="never" nodeType="tmRoot"/>
+      </p:par>
+    </p:tnLst>
+  </p:timing>
 </p:sld>
 </file>
 
@@ -14841,6 +14869,13 @@
   <p:clrMapOvr>
     <a:masterClrMapping/>
   </p:clrMapOvr>
+  <p:timing>
+    <p:tnLst>
+      <p:par>
+        <p:cTn xmlns:p14="http://schemas.microsoft.com/office/powerpoint/2010/main" id="1" dur="indefinite" restart="never" nodeType="tmRoot"/>
+      </p:par>
+    </p:tnLst>
+  </p:timing>
 </p:sld>
 </file>
 
@@ -15014,6 +15049,13 @@
   <p:clrMapOvr>
     <a:masterClrMapping/>
   </p:clrMapOvr>
+  <p:timing>
+    <p:tnLst>
+      <p:par>
+        <p:cTn xmlns:p14="http://schemas.microsoft.com/office/powerpoint/2010/main" id="1" dur="indefinite" restart="never" nodeType="tmRoot"/>
+      </p:par>
+    </p:tnLst>
+  </p:timing>
 </p:sld>
 </file>
 
@@ -15092,6 +15134,13 @@
   <p:clrMapOvr>
     <a:masterClrMapping/>
   </p:clrMapOvr>
+  <p:timing>
+    <p:tnLst>
+      <p:par>
+        <p:cTn xmlns:p14="http://schemas.microsoft.com/office/powerpoint/2010/main" id="1" dur="indefinite" restart="never" nodeType="tmRoot"/>
+      </p:par>
+    </p:tnLst>
+  </p:timing>
 </p:sld>
 </file>
 
